--- a/Presentation update 12-May-2022.pptx
+++ b/Presentation update 12-May-2022.pptx
@@ -486,6 +486,90 @@
     </a:lvl9pPr>
   </p:notesStyle>
 </p:notesMaster>
+</file>
+
+<file path=ppt/notesSlides/notesSlide1.xml><?xml version="1.0" encoding="utf-8"?>
+<p:notes xmlns:a="http://schemas.openxmlformats.org/drawingml/2006/main" xmlns:r="http://schemas.openxmlformats.org/officeDocument/2006/relationships" xmlns:p="http://schemas.openxmlformats.org/presentationml/2006/main">
+  <p:cSld>
+    <p:spTree>
+      <p:nvGrpSpPr>
+        <p:cNvPr id="1" name=""/>
+        <p:cNvGrpSpPr/>
+        <p:nvPr/>
+      </p:nvGrpSpPr>
+      <p:grpSpPr>
+        <a:xfrm>
+          <a:off x="0" y="0"/>
+          <a:ext cx="0" cy="0"/>
+          <a:chOff x="0" y="0"/>
+          <a:chExt cx="0" cy="0"/>
+        </a:xfrm>
+      </p:grpSpPr>
+      <p:sp>
+        <p:nvSpPr>
+          <p:cNvPr id="2" name="Slide Image Placeholder 1"/>
+          <p:cNvSpPr>
+            <a:spLocks noGrp="1" noRot="1" noChangeAspect="1"/>
+          </p:cNvSpPr>
+          <p:nvPr>
+            <p:ph type="sldImg"/>
+          </p:nvPr>
+        </p:nvSpPr>
+        <p:spPr/>
+      </p:sp>
+      <p:sp>
+        <p:nvSpPr>
+          <p:cNvPr id="3" name="Notes Placeholder 2"/>
+          <p:cNvSpPr>
+            <a:spLocks noGrp="1"/>
+          </p:cNvSpPr>
+          <p:nvPr>
+            <p:ph type="body" idx="1"/>
+          </p:nvPr>
+        </p:nvSpPr>
+        <p:spPr/>
+        <p:txBody>
+          <a:bodyPr/>
+          <a:lstStyle/>
+          <a:p>
+            <a:endParaRPr lang="en-US" dirty="0"/>
+          </a:p>
+        </p:txBody>
+      </p:sp>
+      <p:sp>
+        <p:nvSpPr>
+          <p:cNvPr id="4" name="Slide Number Placeholder 3"/>
+          <p:cNvSpPr>
+            <a:spLocks noGrp="1"/>
+          </p:cNvSpPr>
+          <p:nvPr>
+            <p:ph type="sldNum" sz="quarter" idx="5"/>
+          </p:nvPr>
+        </p:nvSpPr>
+        <p:spPr/>
+        <p:txBody>
+          <a:bodyPr/>
+          <a:lstStyle/>
+          <a:p>
+            <a:fld id="{1FFC93A7-B1F3-454A-A230-F9074DA5B0F9}" type="slidenum">
+              <a:rPr lang="en-US" smtClean="0"/>
+              <a:t>12</a:t>
+            </a:fld>
+            <a:endParaRPr lang="en-US"/>
+          </a:p>
+        </p:txBody>
+      </p:sp>
+    </p:spTree>
+    <p:extLst>
+      <p:ext uri="{BB962C8B-B14F-4D97-AF65-F5344CB8AC3E}">
+        <p14:creationId xmlns:p14="http://schemas.microsoft.com/office/powerpoint/2010/main" val="2893281470"/>
+      </p:ext>
+    </p:extLst>
+  </p:cSld>
+  <p:clrMapOvr>
+    <a:masterClrMapping/>
+  </p:clrMapOvr>
+</p:notes>
 </file>
 
 <file path=ppt/slideLayouts/slideLayout1.xml><?xml version="1.0" encoding="utf-8"?>
@@ -4879,41 +4963,6 @@
                 </a:solidFill>
               </a:rPr>
               <a:t>Regression model – Amide dataset</a:t>
-            </a:r>
-          </a:p>
-        </p:txBody>
-      </p:sp>
-      <p:sp>
-        <p:nvSpPr>
-          <p:cNvPr id="4" name="TextBox 3">
-            <a:extLst>
-              <a:ext uri="{FF2B5EF4-FFF2-40B4-BE49-F238E27FC236}">
-                <a16:creationId xmlns:a16="http://schemas.microsoft.com/office/drawing/2014/main" id="{F290264C-0666-4FFA-8076-46FAE045BEC3}"/>
-              </a:ext>
-            </a:extLst>
-          </p:cNvPr>
-          <p:cNvSpPr txBox="1"/>
-          <p:nvPr/>
-        </p:nvSpPr>
-        <p:spPr>
-          <a:xfrm>
-            <a:off x="1024035" y="5586617"/>
-            <a:ext cx="4831259" cy="461665"/>
-          </a:xfrm>
-          <a:prstGeom prst="rect">
-            <a:avLst/>
-          </a:prstGeom>
-          <a:noFill/>
-        </p:spPr>
-        <p:txBody>
-          <a:bodyPr wrap="none" rtlCol="0">
-            <a:spAutoFit/>
-          </a:bodyPr>
-          <a:lstStyle/>
-          <a:p>
-            <a:r>
-              <a:rPr lang="en-US" sz="2400" dirty="0"/>
-              <a:t>Cross validation 5-fold average = 0.77</a:t>
             </a:r>
           </a:p>
         </p:txBody>
@@ -5541,8 +5590,8 @@
         </p:nvSpPr>
         <p:spPr>
           <a:xfrm>
-            <a:off x="1024035" y="5121185"/>
-            <a:ext cx="1504560" cy="461665"/>
+            <a:off x="1024034" y="5121185"/>
+            <a:ext cx="6291165" cy="1200329"/>
           </a:xfrm>
           <a:prstGeom prst="rect">
             <a:avLst/>
@@ -5565,7 +5614,27 @@
             </a:r>
             <a:r>
               <a:rPr lang="en-US" sz="2400" dirty="0"/>
-              <a:t>  = 0.95</a:t>
+              <a:t> (training set) = 0.95</a:t>
+            </a:r>
+          </a:p>
+          <a:p>
+            <a:r>
+              <a:rPr lang="en-US" sz="2400" dirty="0"/>
+              <a:t>R</a:t>
+            </a:r>
+            <a:r>
+              <a:rPr lang="en-US" sz="2400" baseline="30000" dirty="0"/>
+              <a:t>2</a:t>
+            </a:r>
+            <a:r>
+              <a:rPr lang="en-US" sz="2400" dirty="0"/>
+              <a:t> (test set) = 0.77</a:t>
+            </a:r>
+          </a:p>
+          <a:p>
+            <a:r>
+              <a:rPr lang="en-US" sz="2400" dirty="0"/>
+              <a:t>Cross validation 5-fold average = 0.77</a:t>
             </a:r>
           </a:p>
         </p:txBody>
@@ -5592,6 +5661,9 @@
                     <p:cTn id="3" fill="hold">
                       <p:stCondLst>
                         <p:cond delay="indefinite"/>
+                        <p:cond evt="onBegin" delay="0">
+                          <p:tn val="2"/>
+                        </p:cond>
                       </p:stCondLst>
                       <p:childTnLst>
                         <p:par>
@@ -5601,7 +5673,7 @@
                             </p:stCondLst>
                             <p:childTnLst>
                               <p:par>
-                                <p:cTn id="5" presetID="1" presetClass="entr" presetSubtype="0" fill="hold" grpId="0" nodeType="clickEffect">
+                                <p:cTn id="5" presetID="1" presetClass="entr" presetSubtype="0" fill="hold" grpId="0" nodeType="withEffect">
                                   <p:stCondLst>
                                     <p:cond delay="0"/>
                                   </p:stCondLst>
@@ -5609,33 +5681,6 @@
                                     <p:set>
                                       <p:cBhvr>
                                         <p:cTn id="6" dur="1" fill="hold">
-                                          <p:stCondLst>
-                                            <p:cond delay="0"/>
-                                          </p:stCondLst>
-                                        </p:cTn>
-                                        <p:tgtEl>
-                                          <p:spTgt spid="4"/>
-                                        </p:tgtEl>
-                                        <p:attrNameLst>
-                                          <p:attrName>style.visibility</p:attrName>
-                                        </p:attrNameLst>
-                                      </p:cBhvr>
-                                      <p:to>
-                                        <p:strVal val="visible"/>
-                                      </p:to>
-                                    </p:set>
-                                  </p:childTnLst>
-                                </p:cTn>
-                              </p:par>
-                              <p:par>
-                                <p:cTn id="7" presetID="1" presetClass="entr" presetSubtype="0" fill="hold" grpId="0" nodeType="withEffect">
-                                  <p:stCondLst>
-                                    <p:cond delay="0"/>
-                                  </p:stCondLst>
-                                  <p:childTnLst>
-                                    <p:set>
-                                      <p:cBhvr>
-                                        <p:cTn id="8" dur="1" fill="hold">
                                           <p:stCondLst>
                                             <p:cond delay="0"/>
                                           </p:stCondLst>
@@ -5661,26 +5706,26 @@
                     </p:cTn>
                   </p:par>
                   <p:par>
-                    <p:cTn id="9" fill="hold">
+                    <p:cTn id="7" fill="hold">
                       <p:stCondLst>
                         <p:cond delay="indefinite"/>
                       </p:stCondLst>
                       <p:childTnLst>
                         <p:par>
-                          <p:cTn id="10" fill="hold">
+                          <p:cTn id="8" fill="hold">
                             <p:stCondLst>
                               <p:cond delay="0"/>
                             </p:stCondLst>
                             <p:childTnLst>
                               <p:par>
-                                <p:cTn id="11" presetID="1" presetClass="entr" presetSubtype="0" fill="hold" nodeType="clickEffect">
+                                <p:cTn id="9" presetID="1" presetClass="entr" presetSubtype="0" fill="hold" nodeType="clickEffect">
                                   <p:stCondLst>
                                     <p:cond delay="0"/>
                                   </p:stCondLst>
                                   <p:childTnLst>
                                     <p:set>
                                       <p:cBhvr>
-                                        <p:cTn id="12" dur="1" fill="hold">
+                                        <p:cTn id="10" dur="1" fill="hold">
                                           <p:stCondLst>
                                             <p:cond delay="0"/>
                                           </p:stCondLst>
@@ -5727,7 +5772,6 @@
       </p:par>
     </p:tnLst>
     <p:bldLst>
-      <p:bldP spid="4" grpId="0"/>
       <p:bldP spid="9" grpId="0"/>
     </p:bldLst>
   </p:timing>
@@ -5828,41 +5872,6 @@
                 <a:schemeClr val="tx2"/>
               </a:solidFill>
             </a:endParaRPr>
-          </a:p>
-        </p:txBody>
-      </p:sp>
-      <p:sp>
-        <p:nvSpPr>
-          <p:cNvPr id="4" name="TextBox 3">
-            <a:extLst>
-              <a:ext uri="{FF2B5EF4-FFF2-40B4-BE49-F238E27FC236}">
-                <a16:creationId xmlns:a16="http://schemas.microsoft.com/office/drawing/2014/main" id="{F290264C-0666-4FFA-8076-46FAE045BEC3}"/>
-              </a:ext>
-            </a:extLst>
-          </p:cNvPr>
-          <p:cNvSpPr txBox="1"/>
-          <p:nvPr/>
-        </p:nvSpPr>
-        <p:spPr>
-          <a:xfrm>
-            <a:off x="1024035" y="5586617"/>
-            <a:ext cx="4831259" cy="461665"/>
-          </a:xfrm>
-          <a:prstGeom prst="rect">
-            <a:avLst/>
-          </a:prstGeom>
-          <a:noFill/>
-        </p:spPr>
-        <p:txBody>
-          <a:bodyPr wrap="none" rtlCol="0">
-            <a:spAutoFit/>
-          </a:bodyPr>
-          <a:lstStyle/>
-          <a:p>
-            <a:r>
-              <a:rPr lang="en-US" sz="2400" dirty="0"/>
-              <a:t>Cross validation 5-fold average = 0.84</a:t>
-            </a:r>
           </a:p>
         </p:txBody>
       </p:sp>
@@ -6424,49 +6433,6 @@
           </a:graphicData>
         </a:graphic>
       </p:graphicFrame>
-      <p:sp>
-        <p:nvSpPr>
-          <p:cNvPr id="9" name="TextBox 8">
-            <a:extLst>
-              <a:ext uri="{FF2B5EF4-FFF2-40B4-BE49-F238E27FC236}">
-                <a16:creationId xmlns:a16="http://schemas.microsoft.com/office/drawing/2014/main" id="{F4EB21C1-B87D-44B3-AAFB-D993D41C1557}"/>
-              </a:ext>
-            </a:extLst>
-          </p:cNvPr>
-          <p:cNvSpPr txBox="1"/>
-          <p:nvPr/>
-        </p:nvSpPr>
-        <p:spPr>
-          <a:xfrm>
-            <a:off x="1024035" y="5121185"/>
-            <a:ext cx="1504560" cy="461665"/>
-          </a:xfrm>
-          <a:prstGeom prst="rect">
-            <a:avLst/>
-          </a:prstGeom>
-          <a:noFill/>
-        </p:spPr>
-        <p:txBody>
-          <a:bodyPr wrap="square">
-            <a:spAutoFit/>
-          </a:bodyPr>
-          <a:lstStyle/>
-          <a:p>
-            <a:r>
-              <a:rPr lang="en-US" sz="2400" dirty="0"/>
-              <a:t>R</a:t>
-            </a:r>
-            <a:r>
-              <a:rPr lang="en-US" sz="2400" baseline="30000" dirty="0"/>
-              <a:t>2</a:t>
-            </a:r>
-            <a:r>
-              <a:rPr lang="en-US" sz="2400" dirty="0"/>
-              <a:t>  = 0.97</a:t>
-            </a:r>
-          </a:p>
-        </p:txBody>
-      </p:sp>
       <p:pic>
         <p:nvPicPr>
           <p:cNvPr id="5" name="Picture 4" descr="Chart, scatter chart&#10;&#10;Description automatically generated">
@@ -6482,7 +6448,7 @@
           <p:nvPr/>
         </p:nvPicPr>
         <p:blipFill>
-          <a:blip r:embed="rId2">
+          <a:blip r:embed="rId3">
             <a:extLst>
               <a:ext uri="{28A0092B-C50C-407E-A947-70E740481C1C}">
                 <a14:useLocalDpi xmlns:a14="http://schemas.microsoft.com/office/drawing/2010/main" val="0"/>
@@ -6503,6 +6469,69 @@
           </a:prstGeom>
         </p:spPr>
       </p:pic>
+      <p:sp>
+        <p:nvSpPr>
+          <p:cNvPr id="10" name="TextBox 9">
+            <a:extLst>
+              <a:ext uri="{FF2B5EF4-FFF2-40B4-BE49-F238E27FC236}">
+                <a16:creationId xmlns:a16="http://schemas.microsoft.com/office/drawing/2014/main" id="{34F7D9B3-6C81-42FB-8EEE-7BFB9E8D6067}"/>
+              </a:ext>
+            </a:extLst>
+          </p:cNvPr>
+          <p:cNvSpPr txBox="1"/>
+          <p:nvPr/>
+        </p:nvSpPr>
+        <p:spPr>
+          <a:xfrm>
+            <a:off x="1024034" y="5121185"/>
+            <a:ext cx="5274129" cy="1200329"/>
+          </a:xfrm>
+          <a:prstGeom prst="rect">
+            <a:avLst/>
+          </a:prstGeom>
+          <a:noFill/>
+        </p:spPr>
+        <p:txBody>
+          <a:bodyPr wrap="square">
+            <a:spAutoFit/>
+          </a:bodyPr>
+          <a:lstStyle/>
+          <a:p>
+            <a:r>
+              <a:rPr lang="en-US" sz="2400" dirty="0"/>
+              <a:t>R</a:t>
+            </a:r>
+            <a:r>
+              <a:rPr lang="en-US" sz="2400" baseline="30000" dirty="0"/>
+              <a:t>2</a:t>
+            </a:r>
+            <a:r>
+              <a:rPr lang="en-US" sz="2400" dirty="0"/>
+              <a:t> (training set) = 0.97</a:t>
+            </a:r>
+          </a:p>
+          <a:p>
+            <a:r>
+              <a:rPr lang="en-US" sz="2400" dirty="0"/>
+              <a:t>R</a:t>
+            </a:r>
+            <a:r>
+              <a:rPr lang="en-US" sz="2400" baseline="30000" dirty="0"/>
+              <a:t>2</a:t>
+            </a:r>
+            <a:r>
+              <a:rPr lang="en-US" sz="2400" dirty="0"/>
+              <a:t> (test set) = 0.85</a:t>
+            </a:r>
+          </a:p>
+          <a:p>
+            <a:r>
+              <a:rPr lang="en-US" sz="2400" dirty="0"/>
+              <a:t>Cross validation 5-fold average = 0.84</a:t>
+            </a:r>
+          </a:p>
+        </p:txBody>
+      </p:sp>
     </p:spTree>
     <p:extLst>
       <p:ext uri="{BB962C8B-B14F-4D97-AF65-F5344CB8AC3E}">
@@ -6534,7 +6563,7 @@
                             </p:stCondLst>
                             <p:childTnLst>
                               <p:par>
-                                <p:cTn id="5" presetID="1" presetClass="entr" presetSubtype="0" fill="hold" grpId="0" nodeType="clickEffect">
+                                <p:cTn id="5" presetID="1" presetClass="entr" presetSubtype="0" fill="hold" nodeType="clickEffect">
                                   <p:stCondLst>
                                     <p:cond delay="0"/>
                                   </p:stCondLst>
@@ -6547,7 +6576,7 @@
                                           </p:stCondLst>
                                         </p:cTn>
                                         <p:tgtEl>
-                                          <p:spTgt spid="4"/>
+                                          <p:spTgt spid="2"/>
                                         </p:tgtEl>
                                         <p:attrNameLst>
                                           <p:attrName>style.visibility</p:attrName>
@@ -6574,52 +6603,7 @@
                                           </p:stCondLst>
                                         </p:cTn>
                                         <p:tgtEl>
-                                          <p:spTgt spid="9"/>
-                                        </p:tgtEl>
-                                        <p:attrNameLst>
-                                          <p:attrName>style.visibility</p:attrName>
-                                        </p:attrNameLst>
-                                      </p:cBhvr>
-                                      <p:to>
-                                        <p:strVal val="visible"/>
-                                      </p:to>
-                                    </p:set>
-                                  </p:childTnLst>
-                                </p:cTn>
-                              </p:par>
-                            </p:childTnLst>
-                          </p:cTn>
-                        </p:par>
-                      </p:childTnLst>
-                    </p:cTn>
-                  </p:par>
-                  <p:par>
-                    <p:cTn id="9" fill="hold">
-                      <p:stCondLst>
-                        <p:cond delay="indefinite"/>
-                      </p:stCondLst>
-                      <p:childTnLst>
-                        <p:par>
-                          <p:cTn id="10" fill="hold">
-                            <p:stCondLst>
-                              <p:cond delay="0"/>
-                            </p:stCondLst>
-                            <p:childTnLst>
-                              <p:par>
-                                <p:cTn id="11" presetID="1" presetClass="entr" presetSubtype="0" fill="hold" nodeType="clickEffect">
-                                  <p:stCondLst>
-                                    <p:cond delay="0"/>
-                                  </p:stCondLst>
-                                  <p:childTnLst>
-                                    <p:set>
-                                      <p:cBhvr>
-                                        <p:cTn id="12" dur="1" fill="hold">
-                                          <p:stCondLst>
-                                            <p:cond delay="0"/>
-                                          </p:stCondLst>
-                                        </p:cTn>
-                                        <p:tgtEl>
-                                          <p:spTgt spid="2"/>
+                                          <p:spTgt spid="10"/>
                                         </p:tgtEl>
                                         <p:attrNameLst>
                                           <p:attrName>style.visibility</p:attrName>
@@ -6660,8 +6644,7 @@
       </p:par>
     </p:tnLst>
     <p:bldLst>
-      <p:bldP spid="4" grpId="0"/>
-      <p:bldP spid="9" grpId="0"/>
+      <p:bldP spid="10" grpId="0"/>
     </p:bldLst>
   </p:timing>
 </p:sld>
@@ -10176,7 +10159,7 @@
       </p:sp>
       <p:pic>
         <p:nvPicPr>
-          <p:cNvPr id="4" name="Picture 3" descr="Chart, scatter chart&#10;&#10;Description automatically generated">
+          <p:cNvPr id="4" name="Picture 3">
             <a:extLst>
               <a:ext uri="{FF2B5EF4-FFF2-40B4-BE49-F238E27FC236}">
                 <a16:creationId xmlns:a16="http://schemas.microsoft.com/office/drawing/2014/main" id="{EACC7D1E-33EE-40C2-91F1-7C83540856D1}"/>
@@ -10196,14 +10179,13 @@
               </a:ext>
             </a:extLst>
           </a:blip>
-          <a:stretch>
-            <a:fillRect/>
-          </a:stretch>
+          <a:srcRect/>
+          <a:stretch/>
         </p:blipFill>
         <p:spPr>
           <a:xfrm>
-            <a:off x="284715" y="1682354"/>
-            <a:ext cx="5715000" cy="3814762"/>
+            <a:off x="284715" y="1684735"/>
+            <a:ext cx="5715000" cy="3810000"/>
           </a:xfrm>
           <a:prstGeom prst="rect">
             <a:avLst/>
@@ -10212,7 +10194,7 @@
       </p:pic>
       <p:pic>
         <p:nvPicPr>
-          <p:cNvPr id="3" name="Picture 2" descr="Chart, scatter chart&#10;&#10;Description automatically generated">
+          <p:cNvPr id="3" name="Picture 2">
             <a:extLst>
               <a:ext uri="{FF2B5EF4-FFF2-40B4-BE49-F238E27FC236}">
                 <a16:creationId xmlns:a16="http://schemas.microsoft.com/office/drawing/2014/main" id="{A3FC9E44-773E-450E-8AFE-06FD9532EB41}"/>
@@ -10232,9 +10214,8 @@
               </a:ext>
             </a:extLst>
           </a:blip>
-          <a:stretch>
-            <a:fillRect/>
-          </a:stretch>
+          <a:srcRect/>
+          <a:stretch/>
         </p:blipFill>
         <p:spPr>
           <a:xfrm>
